--- a/prednasky/02/2 Uvod do Pythonu.pptx
+++ b/prednasky/02/2 Uvod do Pythonu.pptx
@@ -5,7 +5,7 @@
     <p:sldMasterId id="2147483672" r:id="rId1"/>
   </p:sldMasterIdLst>
   <p:notesMasterIdLst>
-    <p:notesMasterId r:id="rId25"/>
+    <p:notesMasterId r:id="rId24"/>
   </p:notesMasterIdLst>
   <p:sldIdLst>
     <p:sldId id="256" r:id="rId2"/>
@@ -29,8 +29,7 @@
     <p:sldId id="277" r:id="rId20"/>
     <p:sldId id="287" r:id="rId21"/>
     <p:sldId id="279" r:id="rId22"/>
-    <p:sldId id="288" r:id="rId23"/>
-    <p:sldId id="270" r:id="rId24"/>
+    <p:sldId id="270" r:id="rId23"/>
   </p:sldIdLst>
   <p:sldSz cx="12192000" cy="6858000"/>
   <p:notesSz cx="6858000" cy="9144000"/>
@@ -222,7 +221,7 @@
           <a:p>
             <a:fld id="{21865E2F-29E8-4495-A6BA-69A593AAF28F}" type="datetimeFigureOut">
               <a:rPr lang="sk-SK" smtClean="0"/>
-              <a:t>23. 9. 2018</a:t>
+              <a:t>27. 9. 2018</a:t>
             </a:fld>
             <a:endParaRPr lang="sk-SK"/>
           </a:p>
@@ -621,7 +620,7 @@
           <a:p>
             <a:fld id="{AE40A83B-24CB-4FF7-9262-5C909CA95ED4}" type="datetimeFigureOut">
               <a:rPr lang="sk-SK" smtClean="0"/>
-              <a:t>23. 9. 2018</a:t>
+              <a:t>27. 9. 2018</a:t>
             </a:fld>
             <a:endParaRPr lang="sk-SK"/>
           </a:p>
@@ -839,7 +838,7 @@
           <a:p>
             <a:fld id="{AE40A83B-24CB-4FF7-9262-5C909CA95ED4}" type="datetimeFigureOut">
               <a:rPr lang="sk-SK" smtClean="0"/>
-              <a:t>23. 9. 2018</a:t>
+              <a:t>27. 9. 2018</a:t>
             </a:fld>
             <a:endParaRPr lang="sk-SK"/>
           </a:p>
@@ -1067,7 +1066,7 @@
           <a:p>
             <a:fld id="{AE40A83B-24CB-4FF7-9262-5C909CA95ED4}" type="datetimeFigureOut">
               <a:rPr lang="sk-SK" smtClean="0"/>
-              <a:t>23. 9. 2018</a:t>
+              <a:t>27. 9. 2018</a:t>
             </a:fld>
             <a:endParaRPr lang="sk-SK"/>
           </a:p>
@@ -1285,7 +1284,7 @@
           <a:p>
             <a:fld id="{AE40A83B-24CB-4FF7-9262-5C909CA95ED4}" type="datetimeFigureOut">
               <a:rPr lang="sk-SK" smtClean="0"/>
-              <a:t>23. 9. 2018</a:t>
+              <a:t>27. 9. 2018</a:t>
             </a:fld>
             <a:endParaRPr lang="sk-SK"/>
           </a:p>
@@ -1529,7 +1528,7 @@
           <a:p>
             <a:fld id="{AE40A83B-24CB-4FF7-9262-5C909CA95ED4}" type="datetimeFigureOut">
               <a:rPr lang="sk-SK" smtClean="0"/>
-              <a:t>23. 9. 2018</a:t>
+              <a:t>27. 9. 2018</a:t>
             </a:fld>
             <a:endParaRPr lang="sk-SK"/>
           </a:p>
@@ -1761,7 +1760,7 @@
           <a:p>
             <a:fld id="{AE40A83B-24CB-4FF7-9262-5C909CA95ED4}" type="datetimeFigureOut">
               <a:rPr lang="sk-SK" smtClean="0"/>
-              <a:t>23. 9. 2018</a:t>
+              <a:t>27. 9. 2018</a:t>
             </a:fld>
             <a:endParaRPr lang="sk-SK"/>
           </a:p>
@@ -2128,7 +2127,7 @@
           <a:p>
             <a:fld id="{AE40A83B-24CB-4FF7-9262-5C909CA95ED4}" type="datetimeFigureOut">
               <a:rPr lang="sk-SK" smtClean="0"/>
-              <a:t>23. 9. 2018</a:t>
+              <a:t>27. 9. 2018</a:t>
             </a:fld>
             <a:endParaRPr lang="sk-SK"/>
           </a:p>
@@ -2246,7 +2245,7 @@
           <a:p>
             <a:fld id="{AE40A83B-24CB-4FF7-9262-5C909CA95ED4}" type="datetimeFigureOut">
               <a:rPr lang="sk-SK" smtClean="0"/>
-              <a:t>23. 9. 2018</a:t>
+              <a:t>27. 9. 2018</a:t>
             </a:fld>
             <a:endParaRPr lang="sk-SK"/>
           </a:p>
@@ -2341,7 +2340,7 @@
           <a:p>
             <a:fld id="{AE40A83B-24CB-4FF7-9262-5C909CA95ED4}" type="datetimeFigureOut">
               <a:rPr lang="sk-SK" smtClean="0"/>
-              <a:t>23. 9. 2018</a:t>
+              <a:t>27. 9. 2018</a:t>
             </a:fld>
             <a:endParaRPr lang="sk-SK"/>
           </a:p>
@@ -2666,7 +2665,7 @@
           <a:p>
             <a:fld id="{AE40A83B-24CB-4FF7-9262-5C909CA95ED4}" type="datetimeFigureOut">
               <a:rPr lang="sk-SK" smtClean="0"/>
-              <a:t>23. 9. 2018</a:t>
+              <a:t>27. 9. 2018</a:t>
             </a:fld>
             <a:endParaRPr lang="sk-SK"/>
           </a:p>
@@ -2971,7 +2970,7 @@
           <a:p>
             <a:fld id="{AE40A83B-24CB-4FF7-9262-5C909CA95ED4}" type="datetimeFigureOut">
               <a:rPr lang="sk-SK" smtClean="0"/>
-              <a:t>23. 9. 2018</a:t>
+              <a:t>27. 9. 2018</a:t>
             </a:fld>
             <a:endParaRPr lang="sk-SK"/>
           </a:p>
@@ -3232,7 +3231,7 @@
           <a:p>
             <a:fld id="{AE40A83B-24CB-4FF7-9262-5C909CA95ED4}" type="datetimeFigureOut">
               <a:rPr lang="sk-SK" smtClean="0"/>
-              <a:t>23. 9. 2018</a:t>
+              <a:t>27. 9. 2018</a:t>
             </a:fld>
             <a:endParaRPr lang="sk-SK"/>
           </a:p>
@@ -5689,6 +5688,13 @@
   <p:clrMapOvr>
     <a:masterClrMapping/>
   </p:clrMapOvr>
+  <p:timing>
+    <p:tnLst>
+      <p:par>
+        <p:cTn id="1" dur="indefinite" restart="never" nodeType="tmRoot"/>
+      </p:par>
+    </p:tnLst>
+  </p:timing>
 </p:sld>
 </file>
 
@@ -7942,6 +7948,13 @@
   <p:clrMapOvr>
     <a:masterClrMapping/>
   </p:clrMapOvr>
+  <p:timing>
+    <p:tnLst>
+      <p:par>
+        <p:cTn id="1" dur="indefinite" restart="never" nodeType="tmRoot"/>
+      </p:par>
+    </p:tnLst>
+  </p:timing>
 </p:sld>
 </file>
 
@@ -8398,135 +8411,6 @@
 </file>
 
 <file path=ppt/slides/slide22.xml><?xml version="1.0" encoding="utf-8"?>
-<p:sld xmlns:a="http://schemas.openxmlformats.org/drawingml/2006/main" xmlns:r="http://schemas.openxmlformats.org/officeDocument/2006/relationships" xmlns:p="http://schemas.openxmlformats.org/presentationml/2006/main">
-  <p:cSld>
-    <p:bg>
-      <p:bgPr>
-        <a:solidFill>
-          <a:schemeClr val="bg1"/>
-        </a:solidFill>
-        <a:effectLst/>
-      </p:bgPr>
-    </p:bg>
-    <p:spTree>
-      <p:nvGrpSpPr>
-        <p:cNvPr id="1" name=""/>
-        <p:cNvGrpSpPr/>
-        <p:nvPr/>
-      </p:nvGrpSpPr>
-      <p:grpSpPr>
-        <a:xfrm>
-          <a:off x="0" y="0"/>
-          <a:ext cx="0" cy="0"/>
-          <a:chOff x="0" y="0"/>
-          <a:chExt cx="0" cy="0"/>
-        </a:xfrm>
-      </p:grpSpPr>
-      <p:pic>
-        <p:nvPicPr>
-          <p:cNvPr id="3078" name="Picture 6" descr="http://learn.codingdojo.com/assets/coding_dojo_highres_white.png"/>
-          <p:cNvPicPr>
-            <a:picLocks noChangeAspect="1" noChangeArrowheads="1"/>
-          </p:cNvPicPr>
-          <p:nvPr/>
-        </p:nvPicPr>
-        <p:blipFill>
-          <a:blip r:embed="rId2" cstate="print">
-            <a:duotone>
-              <a:prstClr val="black"/>
-              <a:schemeClr val="tx2">
-                <a:tint val="45000"/>
-                <a:satMod val="400000"/>
-              </a:schemeClr>
-            </a:duotone>
-            <a:extLst>
-              <a:ext uri="{BEBA8EAE-BF5A-486C-A8C5-ECC9F3942E4B}">
-                <a14:imgProps xmlns:a14="http://schemas.microsoft.com/office/drawing/2010/main">
-                  <a14:imgLayer r:embed="rId3">
-                    <a14:imgEffect>
-                      <a14:brightnessContrast bright="-40000" contrast="-40000"/>
-                    </a14:imgEffect>
-                  </a14:imgLayer>
-                </a14:imgProps>
-              </a:ext>
-              <a:ext uri="{28A0092B-C50C-407E-A947-70E740481C1C}">
-                <a14:useLocalDpi xmlns:a14="http://schemas.microsoft.com/office/drawing/2010/main" val="0"/>
-              </a:ext>
-            </a:extLst>
-          </a:blip>
-          <a:srcRect/>
-          <a:stretch>
-            <a:fillRect/>
-          </a:stretch>
-        </p:blipFill>
-        <p:spPr bwMode="auto">
-          <a:xfrm>
-            <a:off x="1007708" y="2180550"/>
-            <a:ext cx="10176583" cy="3315475"/>
-          </a:xfrm>
-          <a:prstGeom prst="rect">
-            <a:avLst/>
-          </a:prstGeom>
-          <a:noFill/>
-          <a:extLst>
-            <a:ext uri="{909E8E84-426E-40DD-AFC4-6F175D3DCCD1}">
-              <a14:hiddenFill xmlns:a14="http://schemas.microsoft.com/office/drawing/2010/main">
-                <a:solidFill>
-                  <a:srgbClr val="FFFFFF"/>
-                </a:solidFill>
-              </a14:hiddenFill>
-            </a:ext>
-          </a:extLst>
-        </p:spPr>
-      </p:pic>
-      <p:sp>
-        <p:nvSpPr>
-          <p:cNvPr id="6" name="Title 5"/>
-          <p:cNvSpPr>
-            <a:spLocks noGrp="1"/>
-          </p:cNvSpPr>
-          <p:nvPr>
-            <p:ph type="title"/>
-          </p:nvPr>
-        </p:nvSpPr>
-        <p:spPr/>
-        <p:txBody>
-          <a:bodyPr/>
-          <a:lstStyle/>
-          <a:p>
-            <a:r>
-              <a:rPr lang="en-US" dirty="0" smtClean="0"/>
-              <a:t>Na </a:t>
-            </a:r>
-            <a:r>
-              <a:rPr lang="en-US" dirty="0" err="1" smtClean="0"/>
-              <a:t>cviku</a:t>
-            </a:r>
-            <a:endParaRPr lang="sk-SK" dirty="0"/>
-          </a:p>
-        </p:txBody>
-      </p:sp>
-    </p:spTree>
-    <p:extLst>
-      <p:ext uri="{BB962C8B-B14F-4D97-AF65-F5344CB8AC3E}">
-        <p14:creationId xmlns:p14="http://schemas.microsoft.com/office/powerpoint/2010/main" val="3166699684"/>
-      </p:ext>
-    </p:extLst>
-  </p:cSld>
-  <p:clrMapOvr>
-    <a:masterClrMapping/>
-  </p:clrMapOvr>
-  <p:timing>
-    <p:tnLst>
-      <p:par>
-        <p:cTn id="1" dur="indefinite" restart="never" nodeType="tmRoot"/>
-      </p:par>
-    </p:tnLst>
-  </p:timing>
-</p:sld>
-</file>
-
-<file path=ppt/slides/slide23.xml><?xml version="1.0" encoding="utf-8"?>
 <p:sld xmlns:a="http://schemas.openxmlformats.org/drawingml/2006/main" xmlns:r="http://schemas.openxmlformats.org/officeDocument/2006/relationships" xmlns:p="http://schemas.openxmlformats.org/presentationml/2006/main">
   <p:cSld>
     <p:spTree>
@@ -8918,11 +8802,7 @@
             </a:r>
             <a:r>
               <a:rPr lang="sk-SK" dirty="0" smtClean="0"/>
-              <a:t>o</a:t>
-            </a:r>
-            <a:r>
-              <a:rPr lang="sk-SK" dirty="0" smtClean="0"/>
-              <a:t>n?</a:t>
+              <a:t>on?</a:t>
             </a:r>
             <a:endParaRPr lang="en-US" dirty="0"/>
           </a:p>
@@ -8947,7 +8827,6 @@
               <a:rPr lang="sk-SK" dirty="0" smtClean="0"/>
               <a:t>V poslednej dobe asi najpopulárnejší jazyk na spracovanie údajov</a:t>
             </a:r>
-            <a:endParaRPr lang="sk-SK" dirty="0" smtClean="0"/>
           </a:p>
           <a:p>
             <a:r>
@@ -8974,6 +8853,13 @@
   <p:clrMapOvr>
     <a:masterClrMapping/>
   </p:clrMapOvr>
+  <p:timing>
+    <p:tnLst>
+      <p:par>
+        <p:cTn id="1" dur="indefinite" restart="never" nodeType="tmRoot"/>
+      </p:par>
+    </p:tnLst>
+  </p:timing>
 </p:sld>
 </file>
 
@@ -9891,7 +9777,6 @@
               <a:rPr lang="sk-SK" sz="2000" dirty="0"/>
               <a:t>(https://github.com/jupyter/jupyter/wiki/A-gallery-of-interesting-Jupyter-Notebooks)</a:t>
             </a:r>
-            <a:endParaRPr lang="sk-SK" sz="2000" dirty="0"/>
           </a:p>
           <a:p>
             <a:endParaRPr lang="sk-SK" dirty="0"/>
@@ -10019,7 +9904,6 @@
               <a:rPr lang="sk-SK" dirty="0" smtClean="0"/>
               <a:t> vlastnosti chýbajú alebo sú naschvál potlačované</a:t>
             </a:r>
-            <a:endParaRPr lang="sk-SK" dirty="0" smtClean="0"/>
           </a:p>
           <a:p>
             <a:pPr lvl="2"/>
@@ -10040,11 +9924,7 @@
             <a:pPr lvl="2"/>
             <a:r>
               <a:rPr lang="sk-SK" dirty="0" smtClean="0"/>
-              <a:t>Veľmi </a:t>
-            </a:r>
-            <a:r>
-              <a:rPr lang="sk-SK" dirty="0" smtClean="0"/>
-              <a:t>ľahko sa dá skĺznuť k nečistým výrazom</a:t>
+              <a:t>Veľmi ľahko sa dá skĺznuť k nečistým výrazom</a:t>
             </a:r>
           </a:p>
           <a:p>
@@ -10195,11 +10075,7 @@
             <a:pPr lvl="1"/>
             <a:r>
               <a:rPr lang="sk-SK" dirty="0" smtClean="0"/>
-              <a:t>Trochu iný objektový model ako ten, na ktorý ste </a:t>
-            </a:r>
-            <a:r>
-              <a:rPr lang="sk-SK" dirty="0" smtClean="0"/>
-              <a:t>zvyknutý</a:t>
+              <a:t>Trochu iný objektový model ako ten, na ktorý ste zvyknutý</a:t>
             </a:r>
             <a:endParaRPr lang="sk-SK" dirty="0" smtClean="0">
               <a:solidFill>
